--- a/WCF alternatief gRPC.pptx
+++ b/WCF alternatief gRPC.pptx
@@ -115,6 +115,11 @@
       </a:defRPr>
     </a:lvl9pPr>
   </p:defaultTextStyle>
+  <p:extLst>
+    <p:ext uri="{EFAFB233-063F-42B5-8137-9DF3F51BA10A}">
+      <p15:sldGuideLst xmlns:p15="http://schemas.microsoft.com/office/powerpoint/2012/main"/>
+    </p:ext>
+  </p:extLst>
 </p:presentation>
 </file>
 
@@ -267,7 +272,7 @@
           <a:p>
             <a:fld id="{58D611DD-545D-4028-BC54-7B878713B076}" type="datetimeFigureOut">
               <a:rPr lang="nl-NL" smtClean="0"/>
-              <a:t>20-7-2019</a:t>
+              <a:t>21-7-2019</a:t>
             </a:fld>
             <a:endParaRPr lang="nl-NL"/>
           </a:p>
@@ -467,7 +472,7 @@
           <a:p>
             <a:fld id="{58D611DD-545D-4028-BC54-7B878713B076}" type="datetimeFigureOut">
               <a:rPr lang="nl-NL" smtClean="0"/>
-              <a:t>20-7-2019</a:t>
+              <a:t>21-7-2019</a:t>
             </a:fld>
             <a:endParaRPr lang="nl-NL"/>
           </a:p>
@@ -677,7 +682,7 @@
           <a:p>
             <a:fld id="{58D611DD-545D-4028-BC54-7B878713B076}" type="datetimeFigureOut">
               <a:rPr lang="nl-NL" smtClean="0"/>
-              <a:t>20-7-2019</a:t>
+              <a:t>21-7-2019</a:t>
             </a:fld>
             <a:endParaRPr lang="nl-NL"/>
           </a:p>
@@ -877,7 +882,7 @@
           <a:p>
             <a:fld id="{58D611DD-545D-4028-BC54-7B878713B076}" type="datetimeFigureOut">
               <a:rPr lang="nl-NL" smtClean="0"/>
-              <a:t>20-7-2019</a:t>
+              <a:t>21-7-2019</a:t>
             </a:fld>
             <a:endParaRPr lang="nl-NL"/>
           </a:p>
@@ -1153,7 +1158,7 @@
           <a:p>
             <a:fld id="{58D611DD-545D-4028-BC54-7B878713B076}" type="datetimeFigureOut">
               <a:rPr lang="nl-NL" smtClean="0"/>
-              <a:t>20-7-2019</a:t>
+              <a:t>21-7-2019</a:t>
             </a:fld>
             <a:endParaRPr lang="nl-NL"/>
           </a:p>
@@ -1421,7 +1426,7 @@
           <a:p>
             <a:fld id="{58D611DD-545D-4028-BC54-7B878713B076}" type="datetimeFigureOut">
               <a:rPr lang="nl-NL" smtClean="0"/>
-              <a:t>20-7-2019</a:t>
+              <a:t>21-7-2019</a:t>
             </a:fld>
             <a:endParaRPr lang="nl-NL"/>
           </a:p>
@@ -1836,7 +1841,7 @@
           <a:p>
             <a:fld id="{58D611DD-545D-4028-BC54-7B878713B076}" type="datetimeFigureOut">
               <a:rPr lang="nl-NL" smtClean="0"/>
-              <a:t>20-7-2019</a:t>
+              <a:t>21-7-2019</a:t>
             </a:fld>
             <a:endParaRPr lang="nl-NL"/>
           </a:p>
@@ -1978,7 +1983,7 @@
           <a:p>
             <a:fld id="{58D611DD-545D-4028-BC54-7B878713B076}" type="datetimeFigureOut">
               <a:rPr lang="nl-NL" smtClean="0"/>
-              <a:t>20-7-2019</a:t>
+              <a:t>21-7-2019</a:t>
             </a:fld>
             <a:endParaRPr lang="nl-NL"/>
           </a:p>
@@ -2091,7 +2096,7 @@
           <a:p>
             <a:fld id="{58D611DD-545D-4028-BC54-7B878713B076}" type="datetimeFigureOut">
               <a:rPr lang="nl-NL" smtClean="0"/>
-              <a:t>20-7-2019</a:t>
+              <a:t>21-7-2019</a:t>
             </a:fld>
             <a:endParaRPr lang="nl-NL"/>
           </a:p>
@@ -2404,7 +2409,7 @@
           <a:p>
             <a:fld id="{58D611DD-545D-4028-BC54-7B878713B076}" type="datetimeFigureOut">
               <a:rPr lang="nl-NL" smtClean="0"/>
-              <a:t>20-7-2019</a:t>
+              <a:t>21-7-2019</a:t>
             </a:fld>
             <a:endParaRPr lang="nl-NL"/>
           </a:p>
@@ -2693,7 +2698,7 @@
           <a:p>
             <a:fld id="{58D611DD-545D-4028-BC54-7B878713B076}" type="datetimeFigureOut">
               <a:rPr lang="nl-NL" smtClean="0"/>
-              <a:t>20-7-2019</a:t>
+              <a:t>21-7-2019</a:t>
             </a:fld>
             <a:endParaRPr lang="nl-NL"/>
           </a:p>
@@ -2936,7 +2941,7 @@
           <a:p>
             <a:fld id="{58D611DD-545D-4028-BC54-7B878713B076}" type="datetimeFigureOut">
               <a:rPr lang="nl-NL" smtClean="0"/>
-              <a:t>20-7-2019</a:t>
+              <a:t>21-7-2019</a:t>
             </a:fld>
             <a:endParaRPr lang="nl-NL"/>
           </a:p>
@@ -3554,7 +3559,7 @@
           <a:p>
             <a:r>
               <a:rPr lang="nl-NL" dirty="0"/>
-              <a:t>Security</a:t>
+              <a:t>Authorization</a:t>
             </a:r>
           </a:p>
         </p:txBody>
@@ -3580,7 +3585,10 @@
           <a:bodyPr/>
           <a:lstStyle/>
           <a:p>
-            <a:endParaRPr lang="nl-NL"/>
+            <a:r>
+              <a:rPr lang="nl-NL"/>
+              <a:t>Server/client certificates</a:t>
+            </a:r>
           </a:p>
         </p:txBody>
       </p:sp>
